--- a/Retro_Paradise.pptx
+++ b/Retro_Paradise.pptx
@@ -8,9 +8,10 @@
     <p:sldId id="256" r:id="rId2"/>
     <p:sldId id="257" r:id="rId3"/>
     <p:sldId id="261" r:id="rId4"/>
-    <p:sldId id="260" r:id="rId5"/>
-    <p:sldId id="262" r:id="rId6"/>
-    <p:sldId id="263" r:id="rId7"/>
+    <p:sldId id="264" r:id="rId5"/>
+    <p:sldId id="260" r:id="rId6"/>
+    <p:sldId id="262" r:id="rId7"/>
+    <p:sldId id="263" r:id="rId8"/>
   </p:sldIdLst>
   <p:sldSz cx="12192000" cy="6858000"/>
   <p:notesSz cx="6858000" cy="9144000"/>
@@ -7803,7 +7804,7 @@
           <p:cNvPr id="5" name="Picture 4" descr="A picture containing sitting, small, table, black&#10;&#10;Description automatically generated">
             <a:extLst>
               <a:ext uri="{FF2B5EF4-FFF2-40B4-BE49-F238E27FC236}">
-                <a16:creationId xmlns:a16="http://schemas.microsoft.com/office/drawing/2014/main" xmlns="" id="{CBD40FD1-6CC6-419B-87CE-4A6BA5D826E2}"/>
+                <a16:creationId xmlns="" xmlns:a16="http://schemas.microsoft.com/office/drawing/2014/main" id="{CBD40FD1-6CC6-419B-87CE-4A6BA5D826E2}"/>
               </a:ext>
             </a:extLst>
           </p:cNvPr>
@@ -7816,7 +7817,7 @@
           <a:blip r:embed="rId2">
             <a:extLst>
               <a:ext uri="{837473B0-CC2E-450A-ABE3-18F120FF3D39}">
-                <a1611:picAttrSrcUrl xmlns:a1611="http://schemas.microsoft.com/office/drawing/2016/11/main" xmlns="" r:id="rId3"/>
+                <a1611:picAttrSrcUrl xmlns="" xmlns:a1611="http://schemas.microsoft.com/office/drawing/2016/11/main" r:id="rId3"/>
               </a:ext>
             </a:extLst>
           </a:blip>
@@ -7842,10 +7843,10 @@
           <p:cNvPr id="31" name="Picture 30">
             <a:extLst>
               <a:ext uri="{FF2B5EF4-FFF2-40B4-BE49-F238E27FC236}">
-                <a16:creationId xmlns:a16="http://schemas.microsoft.com/office/drawing/2014/main" xmlns="" id="{8E21052C-1A31-44AF-8B72-AE3A24A4D42A}"/>
+                <a16:creationId xmlns="" xmlns:a16="http://schemas.microsoft.com/office/drawing/2014/main" id="{8E21052C-1A31-44AF-8B72-AE3A24A4D42A}"/>
               </a:ext>
               <a:ext uri="{C183D7F6-B498-43B3-948B-1728B52AA6E4}">
-                <adec:decorative xmlns:adec="http://schemas.microsoft.com/office/drawing/2017/decorative" xmlns="" val="1"/>
+                <adec:decorative xmlns="" xmlns:adec="http://schemas.microsoft.com/office/drawing/2017/decorative" val="1"/>
               </a:ext>
             </a:extLst>
           </p:cNvPr>
@@ -7855,7 +7856,7 @@
           <p:nvPr>
             <p:extLst>
               <p:ext uri="{386F3935-93C4-4BCD-93E2-E3B085C9AB24}">
-                <p16:designElem xmlns:p16="http://schemas.microsoft.com/office/powerpoint/2015/main" xmlns="" val="1"/>
+                <p16:designElem xmlns="" xmlns:p16="http://schemas.microsoft.com/office/powerpoint/2015/main" val="1"/>
               </p:ext>
             </p:extLst>
           </p:nvPr>
@@ -7887,10 +7888,10 @@
           <p:cNvPr id="33" name="Rectangle 32">
             <a:extLst>
               <a:ext uri="{FF2B5EF4-FFF2-40B4-BE49-F238E27FC236}">
-                <a16:creationId xmlns:a16="http://schemas.microsoft.com/office/drawing/2014/main" xmlns="" id="{FEFF113E-9131-4EEB-8249-CBE6E831C389}"/>
+                <a16:creationId xmlns="" xmlns:a16="http://schemas.microsoft.com/office/drawing/2014/main" id="{FEFF113E-9131-4EEB-8249-CBE6E831C389}"/>
               </a:ext>
               <a:ext uri="{C183D7F6-B498-43B3-948B-1728B52AA6E4}">
-                <adec:decorative xmlns:adec="http://schemas.microsoft.com/office/drawing/2017/decorative" xmlns="" val="1"/>
+                <adec:decorative xmlns="" xmlns:adec="http://schemas.microsoft.com/office/drawing/2017/decorative" val="1"/>
               </a:ext>
             </a:extLst>
           </p:cNvPr>
@@ -7900,7 +7901,7 @@
           <p:nvPr>
             <p:extLst>
               <p:ext uri="{386F3935-93C4-4BCD-93E2-E3B085C9AB24}">
-                <p16:designElem xmlns:p16="http://schemas.microsoft.com/office/powerpoint/2015/main" xmlns="" val="1"/>
+                <p16:designElem xmlns="" xmlns:p16="http://schemas.microsoft.com/office/powerpoint/2015/main" val="1"/>
               </p:ext>
             </p:extLst>
           </p:nvPr>
@@ -7945,7 +7946,7 @@
           <p:cNvPr id="2" name="Title 1">
             <a:extLst>
               <a:ext uri="{FF2B5EF4-FFF2-40B4-BE49-F238E27FC236}">
-                <a16:creationId xmlns:a16="http://schemas.microsoft.com/office/drawing/2014/main" xmlns="" id="{9CECEF44-0D42-49CE-BA67-3E3F3DDC06C6}"/>
+                <a16:creationId xmlns="" xmlns:a16="http://schemas.microsoft.com/office/drawing/2014/main" id="{9CECEF44-0D42-49CE-BA67-3E3F3DDC06C6}"/>
               </a:ext>
             </a:extLst>
           </p:cNvPr>
@@ -7981,7 +7982,7 @@
           <p:cNvPr id="3" name="Subtitle 2">
             <a:extLst>
               <a:ext uri="{FF2B5EF4-FFF2-40B4-BE49-F238E27FC236}">
-                <a16:creationId xmlns:a16="http://schemas.microsoft.com/office/drawing/2014/main" xmlns="" id="{56172BA4-2A76-410F-8C89-5DFFE57E0BA9}"/>
+                <a16:creationId xmlns="" xmlns:a16="http://schemas.microsoft.com/office/drawing/2014/main" id="{56172BA4-2A76-410F-8C89-5DFFE57E0BA9}"/>
               </a:ext>
             </a:extLst>
           </p:cNvPr>
@@ -8028,7 +8029,7 @@
           <p:cNvPr id="6" name="TextBox 5">
             <a:extLst>
               <a:ext uri="{FF2B5EF4-FFF2-40B4-BE49-F238E27FC236}">
-                <a16:creationId xmlns:a16="http://schemas.microsoft.com/office/drawing/2014/main" xmlns="" id="{EECE7DC6-8CA8-41D2-8CF0-EECF3AF9BC2D}"/>
+                <a16:creationId xmlns="" xmlns:a16="http://schemas.microsoft.com/office/drawing/2014/main" id="{EECE7DC6-8CA8-41D2-8CF0-EECF3AF9BC2D}"/>
               </a:ext>
             </a:extLst>
           </p:cNvPr>
@@ -8066,7 +8067,7 @@
                 <a:hlinkClick r:id="rId3" tooltip="http://gadgetsin.com/icade-arcade-cabinet-for-original-ipad-and-ipad-2.htm">
                   <a:extLst>
                     <a:ext uri="{A12FA001-AC4F-418D-AE19-62706E023703}">
-                      <ahyp:hlinkClr xmlns:ahyp="http://schemas.microsoft.com/office/drawing/2018/hyperlinkcolor" xmlns="" val="tx"/>
+                      <ahyp:hlinkClr xmlns="" xmlns:ahyp="http://schemas.microsoft.com/office/drawing/2018/hyperlinkcolor" val="tx"/>
                     </a:ext>
                   </a:extLst>
                 </a:hlinkClick>
@@ -8089,7 +8090,7 @@
                 <a:hlinkClick r:id="rId5" tooltip="https://creativecommons.org/licenses/by-nc-sa/3.0/">
                   <a:extLst>
                     <a:ext uri="{A12FA001-AC4F-418D-AE19-62706E023703}">
-                      <ahyp:hlinkClr xmlns:ahyp="http://schemas.microsoft.com/office/drawing/2018/hyperlinkcolor" xmlns="" val="tx"/>
+                      <ahyp:hlinkClr xmlns="" xmlns:ahyp="http://schemas.microsoft.com/office/drawing/2018/hyperlinkcolor" val="tx"/>
                     </a:ext>
                   </a:extLst>
                 </a:hlinkClick>
@@ -8174,7 +8175,7 @@
           <p:cNvPr id="5" name="Picture 4" descr="A picture containing green, sitting, full, car&#10;&#10;Description automatically generated">
             <a:extLst>
               <a:ext uri="{FF2B5EF4-FFF2-40B4-BE49-F238E27FC236}">
-                <a16:creationId xmlns:a16="http://schemas.microsoft.com/office/drawing/2014/main" xmlns="" id="{76C8D9A8-4463-451A-823E-0ADD61A0B7A7}"/>
+                <a16:creationId xmlns="" xmlns:a16="http://schemas.microsoft.com/office/drawing/2014/main" id="{76C8D9A8-4463-451A-823E-0ADD61A0B7A7}"/>
               </a:ext>
             </a:extLst>
           </p:cNvPr>
@@ -8187,7 +8188,7 @@
           <a:blip r:embed="rId2">
             <a:extLst>
               <a:ext uri="{837473B0-CC2E-450A-ABE3-18F120FF3D39}">
-                <a1611:picAttrSrcUrl xmlns:a1611="http://schemas.microsoft.com/office/drawing/2016/11/main" xmlns="" r:id="rId3"/>
+                <a1611:picAttrSrcUrl xmlns="" xmlns:a1611="http://schemas.microsoft.com/office/drawing/2016/11/main" r:id="rId3"/>
               </a:ext>
             </a:extLst>
           </a:blip>
@@ -8213,10 +8214,10 @@
           <p:cNvPr id="23" name="Picture 10">
             <a:extLst>
               <a:ext uri="{FF2B5EF4-FFF2-40B4-BE49-F238E27FC236}">
-                <a16:creationId xmlns:a16="http://schemas.microsoft.com/office/drawing/2014/main" xmlns="" id="{8E21052C-1A31-44AF-8B72-AE3A24A4D42A}"/>
+                <a16:creationId xmlns="" xmlns:a16="http://schemas.microsoft.com/office/drawing/2014/main" id="{8E21052C-1A31-44AF-8B72-AE3A24A4D42A}"/>
               </a:ext>
               <a:ext uri="{C183D7F6-B498-43B3-948B-1728B52AA6E4}">
-                <adec:decorative xmlns:adec="http://schemas.microsoft.com/office/drawing/2017/decorative" xmlns="" val="1"/>
+                <adec:decorative xmlns="" xmlns:adec="http://schemas.microsoft.com/office/drawing/2017/decorative" val="1"/>
               </a:ext>
             </a:extLst>
           </p:cNvPr>
@@ -8226,7 +8227,7 @@
           <p:nvPr>
             <p:extLst>
               <p:ext uri="{386F3935-93C4-4BCD-93E2-E3B085C9AB24}">
-                <p16:designElem xmlns:p16="http://schemas.microsoft.com/office/powerpoint/2015/main" xmlns="" val="1"/>
+                <p16:designElem xmlns="" xmlns:p16="http://schemas.microsoft.com/office/powerpoint/2015/main" val="1"/>
               </p:ext>
             </p:extLst>
           </p:nvPr>
@@ -8258,10 +8259,10 @@
           <p:cNvPr id="24" name="Rectangle 12">
             <a:extLst>
               <a:ext uri="{FF2B5EF4-FFF2-40B4-BE49-F238E27FC236}">
-                <a16:creationId xmlns:a16="http://schemas.microsoft.com/office/drawing/2014/main" xmlns="" id="{FEFF113E-9131-4EEB-8249-CBE6E831C389}"/>
+                <a16:creationId xmlns="" xmlns:a16="http://schemas.microsoft.com/office/drawing/2014/main" id="{FEFF113E-9131-4EEB-8249-CBE6E831C389}"/>
               </a:ext>
               <a:ext uri="{C183D7F6-B498-43B3-948B-1728B52AA6E4}">
-                <adec:decorative xmlns:adec="http://schemas.microsoft.com/office/drawing/2017/decorative" xmlns="" val="1"/>
+                <adec:decorative xmlns="" xmlns:adec="http://schemas.microsoft.com/office/drawing/2017/decorative" val="1"/>
               </a:ext>
             </a:extLst>
           </p:cNvPr>
@@ -8271,7 +8272,7 @@
           <p:nvPr>
             <p:extLst>
               <p:ext uri="{386F3935-93C4-4BCD-93E2-E3B085C9AB24}">
-                <p16:designElem xmlns:p16="http://schemas.microsoft.com/office/powerpoint/2015/main" xmlns="" val="1"/>
+                <p16:designElem xmlns="" xmlns:p16="http://schemas.microsoft.com/office/powerpoint/2015/main" val="1"/>
               </p:ext>
             </p:extLst>
           </p:nvPr>
@@ -8316,7 +8317,7 @@
           <p:cNvPr id="2" name="Title 1">
             <a:extLst>
               <a:ext uri="{FF2B5EF4-FFF2-40B4-BE49-F238E27FC236}">
-                <a16:creationId xmlns:a16="http://schemas.microsoft.com/office/drawing/2014/main" xmlns="" id="{F15F81BC-7470-4493-AACD-39EBFA9ADBB5}"/>
+                <a16:creationId xmlns="" xmlns:a16="http://schemas.microsoft.com/office/drawing/2014/main" id="{F15F81BC-7470-4493-AACD-39EBFA9ADBB5}"/>
               </a:ext>
             </a:extLst>
           </p:cNvPr>
@@ -8351,7 +8352,7 @@
           <p:cNvPr id="3" name="Subtitle 2">
             <a:extLst>
               <a:ext uri="{FF2B5EF4-FFF2-40B4-BE49-F238E27FC236}">
-                <a16:creationId xmlns:a16="http://schemas.microsoft.com/office/drawing/2014/main" xmlns="" id="{16628FAF-DF1C-480B-B802-28F7CB61B037}"/>
+                <a16:creationId xmlns="" xmlns:a16="http://schemas.microsoft.com/office/drawing/2014/main" id="{16628FAF-DF1C-480B-B802-28F7CB61B037}"/>
               </a:ext>
             </a:extLst>
           </p:cNvPr>
@@ -8390,7 +8391,7 @@
           <p:cNvPr id="6" name="TextBox 5">
             <a:extLst>
               <a:ext uri="{FF2B5EF4-FFF2-40B4-BE49-F238E27FC236}">
-                <a16:creationId xmlns:a16="http://schemas.microsoft.com/office/drawing/2014/main" xmlns="" id="{C6B2CBB5-922C-4056-8ADD-4CE664567E92}"/>
+                <a16:creationId xmlns="" xmlns:a16="http://schemas.microsoft.com/office/drawing/2014/main" id="{C6B2CBB5-922C-4056-8ADD-4CE664567E92}"/>
               </a:ext>
             </a:extLst>
           </p:cNvPr>
@@ -8428,7 +8429,7 @@
                 <a:hlinkClick r:id="rId3" tooltip="https://www.insauga.com/top-5-retro-video-game-stores-in-mississauga">
                   <a:extLst>
                     <a:ext uri="{A12FA001-AC4F-418D-AE19-62706E023703}">
-                      <ahyp:hlinkClr xmlns:ahyp="http://schemas.microsoft.com/office/drawing/2018/hyperlinkcolor" xmlns="" val="tx"/>
+                      <ahyp:hlinkClr xmlns="" xmlns:ahyp="http://schemas.microsoft.com/office/drawing/2018/hyperlinkcolor" val="tx"/>
                     </a:ext>
                   </a:extLst>
                 </a:hlinkClick>
@@ -8451,7 +8452,7 @@
                 <a:hlinkClick r:id="rId5" tooltip="https://creativecommons.org/licenses/by-nc-nd/3.0/">
                   <a:extLst>
                     <a:ext uri="{A12FA001-AC4F-418D-AE19-62706E023703}">
-                      <ahyp:hlinkClr xmlns:ahyp="http://schemas.microsoft.com/office/drawing/2018/hyperlinkcolor" xmlns="" val="tx"/>
+                      <ahyp:hlinkClr xmlns="" xmlns:ahyp="http://schemas.microsoft.com/office/drawing/2018/hyperlinkcolor" val="tx"/>
                     </a:ext>
                   </a:extLst>
                 </a:hlinkClick>
@@ -8555,7 +8556,7 @@
           <a:p>
             <a:r>
               <a:rPr lang="en-US" sz="3200" dirty="0" smtClean="0"/>
-              <a:t>SQLite or </a:t>
+              <a:t>SQLite/</a:t>
             </a:r>
             <a:r>
               <a:rPr lang="en-US" sz="3200" dirty="0" err="1" smtClean="0"/>
@@ -8625,52 +8626,146 @@
         </p:nvSpPr>
         <p:spPr/>
         <p:txBody>
+          <a:bodyPr/>
+          <a:lstStyle/>
+          <a:p>
+            <a:r>
+              <a:rPr lang="en-US" dirty="0" smtClean="0"/>
+              <a:t>User Stories</a:t>
+            </a:r>
+            <a:endParaRPr lang="en-US" dirty="0"/>
+          </a:p>
+        </p:txBody>
+      </p:sp>
+      <p:sp>
+        <p:nvSpPr>
+          <p:cNvPr id="3" name="Content Placeholder 2"/>
+          <p:cNvSpPr>
+            <a:spLocks noGrp="1"/>
+          </p:cNvSpPr>
+          <p:nvPr>
+            <p:ph idx="1"/>
+          </p:nvPr>
+        </p:nvSpPr>
+        <p:spPr/>
+        <p:txBody>
           <a:bodyPr>
             <a:normAutofit/>
           </a:bodyPr>
           <a:lstStyle/>
           <a:p>
             <a:r>
-              <a:rPr lang="en-US" sz="4400" dirty="0" smtClean="0"/>
-              <a:t>Context Diagram</a:t>
-            </a:r>
-            <a:endParaRPr lang="en-US" sz="4400" dirty="0"/>
-          </a:p>
-        </p:txBody>
-      </p:sp>
-      <p:pic>
-        <p:nvPicPr>
-          <p:cNvPr id="4" name="Content Placeholder 3"/>
-          <p:cNvPicPr>
-            <a:picLocks noGrp="1" noChangeAspect="1"/>
-          </p:cNvPicPr>
-          <p:nvPr>
-            <p:ph idx="1"/>
-          </p:nvPr>
-        </p:nvPicPr>
-        <p:blipFill>
-          <a:blip r:embed="rId2">
-            <a:extLst>
-              <a:ext uri="{28A0092B-C50C-407E-A947-70E740481C1C}">
-                <a14:useLocalDpi xmlns:a14="http://schemas.microsoft.com/office/drawing/2010/main" val="0"/>
-              </a:ext>
-            </a:extLst>
-          </a:blip>
-          <a:stretch>
-            <a:fillRect/>
-          </a:stretch>
-        </p:blipFill>
-        <p:spPr>
-          <a:xfrm>
-            <a:off x="1932252" y="2040587"/>
-            <a:ext cx="8267817" cy="4619031"/>
-          </a:xfrm>
-        </p:spPr>
-      </p:pic>
+              <a:rPr lang="en-US" dirty="0">
+                <a:effectLst>
+                  <a:outerShdw blurRad="38100" dist="38100" dir="2700000" algn="tl">
+                    <a:srgbClr val="000000">
+                      <a:alpha val="43137"/>
+                    </a:srgbClr>
+                  </a:outerShdw>
+                </a:effectLst>
+              </a:rPr>
+              <a:t>As a customer</a:t>
+            </a:r>
+          </a:p>
+          <a:p>
+            <a:pPr marL="0" indent="0">
+              <a:buNone/>
+            </a:pPr>
+            <a:r>
+              <a:rPr lang="en-US" dirty="0" smtClean="0">
+                <a:effectLst>
+                  <a:outerShdw blurRad="38100" dist="38100" dir="2700000" algn="tl">
+                    <a:srgbClr val="000000">
+                      <a:alpha val="43137"/>
+                    </a:srgbClr>
+                  </a:outerShdw>
+                </a:effectLst>
+              </a:rPr>
+              <a:t>   I </a:t>
+            </a:r>
+            <a:r>
+              <a:rPr lang="en-US" dirty="0">
+                <a:effectLst>
+                  <a:outerShdw blurRad="38100" dist="38100" dir="2700000" algn="tl">
+                    <a:srgbClr val="000000">
+                      <a:alpha val="43137"/>
+                    </a:srgbClr>
+                  </a:outerShdw>
+                </a:effectLst>
+              </a:rPr>
+              <a:t>want an online catalog</a:t>
+            </a:r>
+          </a:p>
+          <a:p>
+            <a:pPr marL="0" indent="0">
+              <a:buNone/>
+            </a:pPr>
+            <a:r>
+              <a:rPr lang="en-US" dirty="0" smtClean="0">
+                <a:effectLst>
+                  <a:outerShdw blurRad="38100" dist="38100" dir="2700000" algn="tl">
+                    <a:srgbClr val="000000">
+                      <a:alpha val="43137"/>
+                    </a:srgbClr>
+                  </a:outerShdw>
+                </a:effectLst>
+              </a:rPr>
+              <a:t>   So </a:t>
+            </a:r>
+            <a:r>
+              <a:rPr lang="en-US" dirty="0">
+                <a:effectLst>
+                  <a:outerShdw blurRad="38100" dist="38100" dir="2700000" algn="tl">
+                    <a:srgbClr val="000000">
+                      <a:alpha val="43137"/>
+                    </a:srgbClr>
+                  </a:outerShdw>
+                </a:effectLst>
+              </a:rPr>
+              <a:t>I can browse store products </a:t>
+            </a:r>
+          </a:p>
+          <a:p>
+            <a:pPr marL="0" indent="0">
+              <a:buNone/>
+            </a:pPr>
+            <a:endParaRPr lang="en-US" dirty="0"/>
+          </a:p>
+          <a:p>
+            <a:r>
+              <a:rPr lang="en-US" dirty="0" smtClean="0"/>
+              <a:t> As an Admin</a:t>
+            </a:r>
+          </a:p>
+          <a:p>
+            <a:pPr marL="0" indent="0">
+              <a:buNone/>
+            </a:pPr>
+            <a:r>
+              <a:rPr lang="en-US" dirty="0" smtClean="0"/>
+              <a:t>    I want a database</a:t>
+            </a:r>
+          </a:p>
+          <a:p>
+            <a:pPr marL="0" indent="0">
+              <a:buNone/>
+            </a:pPr>
+            <a:r>
+              <a:rPr lang="en-US" dirty="0" smtClean="0"/>
+              <a:t>    So I can add products and </a:t>
+            </a:r>
+            <a:r>
+              <a:rPr lang="en-US" smtClean="0"/>
+              <a:t>check stock</a:t>
+            </a:r>
+            <a:endParaRPr lang="en-US" dirty="0" smtClean="0"/>
+          </a:p>
+        </p:txBody>
+      </p:sp>
     </p:spTree>
     <p:extLst>
       <p:ext uri="{BB962C8B-B14F-4D97-AF65-F5344CB8AC3E}">
-        <p14:creationId xmlns:p14="http://schemas.microsoft.com/office/powerpoint/2010/main" val="1618759181"/>
+        <p14:creationId xmlns:p14="http://schemas.microsoft.com/office/powerpoint/2010/main" val="3220482918"/>
       </p:ext>
     </p:extLst>
   </p:cSld>
@@ -8716,7 +8811,7 @@
           <a:p>
             <a:r>
               <a:rPr lang="en-US" sz="4400" dirty="0" smtClean="0"/>
-              <a:t>Demo</a:t>
+              <a:t>Context Diagram</a:t>
             </a:r>
             <a:endParaRPr lang="en-US" sz="4400" dirty="0"/>
           </a:p>
@@ -8724,11 +8819,13 @@
       </p:sp>
       <p:pic>
         <p:nvPicPr>
-          <p:cNvPr id="5" name="Picture 4"/>
+          <p:cNvPr id="4" name="Content Placeholder 3"/>
           <p:cNvPicPr>
-            <a:picLocks noChangeAspect="1"/>
+            <a:picLocks noGrp="1" noChangeAspect="1"/>
           </p:cNvPicPr>
-          <p:nvPr/>
+          <p:nvPr>
+            <p:ph idx="1"/>
+          </p:nvPr>
         </p:nvPicPr>
         <p:blipFill>
           <a:blip r:embed="rId2">
@@ -8744,18 +8841,15 @@
         </p:blipFill>
         <p:spPr>
           <a:xfrm>
-            <a:off x="3209267" y="2530171"/>
-            <a:ext cx="5172452" cy="3175168"/>
-          </a:xfrm>
-          <a:prstGeom prst="rect">
-            <a:avLst/>
-          </a:prstGeom>
+            <a:off x="1932252" y="2040587"/>
+            <a:ext cx="8267817" cy="4619031"/>
+          </a:xfrm>
         </p:spPr>
       </p:pic>
     </p:spTree>
     <p:extLst>
       <p:ext uri="{BB962C8B-B14F-4D97-AF65-F5344CB8AC3E}">
-        <p14:creationId xmlns:p14="http://schemas.microsoft.com/office/powerpoint/2010/main" val="1008998665"/>
+        <p14:creationId xmlns:p14="http://schemas.microsoft.com/office/powerpoint/2010/main" val="1618759181"/>
       </p:ext>
     </p:extLst>
   </p:cSld>
@@ -8794,14 +8888,99 @@
         </p:nvSpPr>
         <p:spPr/>
         <p:txBody>
+          <a:bodyPr>
+            <a:normAutofit/>
+          </a:bodyPr>
+          <a:lstStyle/>
+          <a:p>
+            <a:r>
+              <a:rPr lang="en-US" sz="4400" dirty="0" smtClean="0"/>
+              <a:t>Demo</a:t>
+            </a:r>
+            <a:endParaRPr lang="en-US" sz="4400" dirty="0"/>
+          </a:p>
+        </p:txBody>
+      </p:sp>
+      <p:pic>
+        <p:nvPicPr>
+          <p:cNvPr id="5" name="Picture 4"/>
+          <p:cNvPicPr>
+            <a:picLocks noChangeAspect="1"/>
+          </p:cNvPicPr>
+          <p:nvPr/>
+        </p:nvPicPr>
+        <p:blipFill>
+          <a:blip r:embed="rId2">
+            <a:extLst>
+              <a:ext uri="{28A0092B-C50C-407E-A947-70E740481C1C}">
+                <a14:useLocalDpi xmlns:a14="http://schemas.microsoft.com/office/drawing/2010/main" val="0"/>
+              </a:ext>
+            </a:extLst>
+          </a:blip>
+          <a:stretch>
+            <a:fillRect/>
+          </a:stretch>
+        </p:blipFill>
+        <p:spPr>
+          <a:xfrm>
+            <a:off x="3209267" y="2530171"/>
+            <a:ext cx="5172452" cy="3175168"/>
+          </a:xfrm>
+          <a:prstGeom prst="rect">
+            <a:avLst/>
+          </a:prstGeom>
+        </p:spPr>
+      </p:pic>
+    </p:spTree>
+    <p:extLst>
+      <p:ext uri="{BB962C8B-B14F-4D97-AF65-F5344CB8AC3E}">
+        <p14:creationId xmlns:p14="http://schemas.microsoft.com/office/powerpoint/2010/main" val="1008998665"/>
+      </p:ext>
+    </p:extLst>
+  </p:cSld>
+  <p:clrMapOvr>
+    <a:masterClrMapping/>
+  </p:clrMapOvr>
+</p:sld>
+</file>
+
+<file path=ppt/slides/slide7.xml><?xml version="1.0" encoding="utf-8"?>
+<p:sld xmlns:a="http://schemas.openxmlformats.org/drawingml/2006/main" xmlns:r="http://schemas.openxmlformats.org/officeDocument/2006/relationships" xmlns:p="http://schemas.openxmlformats.org/presentationml/2006/main">
+  <p:cSld>
+    <p:spTree>
+      <p:nvGrpSpPr>
+        <p:cNvPr id="1" name=""/>
+        <p:cNvGrpSpPr/>
+        <p:nvPr/>
+      </p:nvGrpSpPr>
+      <p:grpSpPr>
+        <a:xfrm>
+          <a:off x="0" y="0"/>
+          <a:ext cx="0" cy="0"/>
+          <a:chOff x="0" y="0"/>
+          <a:chExt cx="0" cy="0"/>
+        </a:xfrm>
+      </p:grpSpPr>
+      <p:sp>
+        <p:nvSpPr>
+          <p:cNvPr id="2" name="Title 1"/>
+          <p:cNvSpPr>
+            <a:spLocks noGrp="1"/>
+          </p:cNvSpPr>
+          <p:nvPr>
+            <p:ph type="title"/>
+          </p:nvPr>
+        </p:nvSpPr>
+        <p:spPr/>
+        <p:txBody>
           <a:bodyPr/>
           <a:lstStyle/>
           <a:p>
             <a:r>
-              <a:rPr lang="en-US" smtClean="0"/>
+              <a:rPr lang="en-US" dirty="0" smtClean="0"/>
               <a:t>Questions?</a:t>
             </a:r>
-            <a:endParaRPr lang="en-US"/>
+            <a:endParaRPr lang="en-US" dirty="0"/>
           </a:p>
         </p:txBody>
       </p:sp>
